--- a/TA 10/תרגול 10.pptx
+++ b/TA 10/תרגול 10.pptx
@@ -5,7 +5,7 @@
     <p:sldMasterId id="2147483648" r:id="rId1"/>
   </p:sldMasterIdLst>
   <p:notesMasterIdLst>
-    <p:notesMasterId r:id="rId13"/>
+    <p:notesMasterId r:id="rId14"/>
   </p:notesMasterIdLst>
   <p:sldIdLst>
     <p:sldId id="466" r:id="rId2"/>
@@ -13,12 +13,13 @@
     <p:sldId id="440" r:id="rId4"/>
     <p:sldId id="511" r:id="rId5"/>
     <p:sldId id="512" r:id="rId6"/>
-    <p:sldId id="503" r:id="rId7"/>
-    <p:sldId id="513" r:id="rId8"/>
-    <p:sldId id="514" r:id="rId9"/>
-    <p:sldId id="515" r:id="rId10"/>
-    <p:sldId id="516" r:id="rId11"/>
-    <p:sldId id="517" r:id="rId12"/>
+    <p:sldId id="518" r:id="rId7"/>
+    <p:sldId id="503" r:id="rId8"/>
+    <p:sldId id="513" r:id="rId9"/>
+    <p:sldId id="514" r:id="rId10"/>
+    <p:sldId id="515" r:id="rId11"/>
+    <p:sldId id="516" r:id="rId12"/>
+    <p:sldId id="517" r:id="rId13"/>
   </p:sldIdLst>
   <p:sldSz cx="12192000" cy="6858000"/>
   <p:notesSz cx="6858000" cy="9144000"/>
@@ -128,7 +129,7 @@
 <file path=ppt/revisionInfo.xml><?xml version="1.0" encoding="utf-8"?>
 <p1510:revInfo xmlns:a="http://schemas.openxmlformats.org/drawingml/2006/main" xmlns:r="http://schemas.openxmlformats.org/officeDocument/2006/relationships" xmlns:p1510="http://schemas.microsoft.com/office/powerpoint/2015/10/main">
   <p1510:revLst>
-    <p1510:client id="{68FA2D61-E87A-4CE8-917C-AFB39CF42ABA}" v="3" dt="2024-03-04T13:34:52.433"/>
+    <p1510:client id="{68FA2D61-E87A-4CE8-917C-AFB39CF42ABA}" v="4" dt="2024-03-04T15:16:24.288"/>
   </p1510:revLst>
 </p1510:revInfo>
 </file>
@@ -138,7 +139,7 @@
   <pc:docChgLst>
     <pc:chgData name="moriya bitton" userId="fe77596618aebb20" providerId="LiveId" clId="{68FA2D61-E87A-4CE8-917C-AFB39CF42ABA}"/>
     <pc:docChg chg="undo redo custSel addSld delSld modSld sldOrd">
-      <pc:chgData name="moriya bitton" userId="fe77596618aebb20" providerId="LiveId" clId="{68FA2D61-E87A-4CE8-917C-AFB39CF42ABA}" dt="2024-03-04T13:53:23.024" v="660" actId="47"/>
+      <pc:chgData name="moriya bitton" userId="fe77596618aebb20" providerId="LiveId" clId="{68FA2D61-E87A-4CE8-917C-AFB39CF42ABA}" dt="2024-03-04T15:19:14.363" v="766" actId="1076"/>
       <pc:docMkLst>
         <pc:docMk/>
       </pc:docMkLst>
@@ -269,15 +270,23 @@
           </ac:spMkLst>
         </pc:spChg>
       </pc:sldChg>
-      <pc:sldChg chg="add mod modShow modNotesTx">
-        <pc:chgData name="moriya bitton" userId="fe77596618aebb20" providerId="LiveId" clId="{68FA2D61-E87A-4CE8-917C-AFB39CF42ABA}" dt="2024-03-04T12:57:57.183" v="140" actId="729"/>
+      <pc:sldChg chg="modSp add mod modShow modNotesTx">
+        <pc:chgData name="moriya bitton" userId="fe77596618aebb20" providerId="LiveId" clId="{68FA2D61-E87A-4CE8-917C-AFB39CF42ABA}" dt="2024-03-04T15:15:24.383" v="725" actId="20577"/>
         <pc:sldMkLst>
           <pc:docMk/>
           <pc:sldMk cId="1366863385" sldId="512"/>
         </pc:sldMkLst>
+        <pc:spChg chg="mod">
+          <ac:chgData name="moriya bitton" userId="fe77596618aebb20" providerId="LiveId" clId="{68FA2D61-E87A-4CE8-917C-AFB39CF42ABA}" dt="2024-03-04T15:15:24.383" v="725" actId="20577"/>
+          <ac:spMkLst>
+            <pc:docMk/>
+            <pc:sldMk cId="1366863385" sldId="512"/>
+            <ac:spMk id="6" creationId="{504C54EB-F689-45AF-9B50-A537385B0172}"/>
+          </ac:spMkLst>
+        </pc:spChg>
       </pc:sldChg>
       <pc:sldChg chg="addSp modSp add mod modNotesTx">
-        <pc:chgData name="moriya bitton" userId="fe77596618aebb20" providerId="LiveId" clId="{68FA2D61-E87A-4CE8-917C-AFB39CF42ABA}" dt="2024-03-04T13:17:30.715" v="416"/>
+        <pc:chgData name="moriya bitton" userId="fe77596618aebb20" providerId="LiveId" clId="{68FA2D61-E87A-4CE8-917C-AFB39CF42ABA}" dt="2024-03-04T14:49:33.936" v="675" actId="20577"/>
         <pc:sldMkLst>
           <pc:docMk/>
           <pc:sldMk cId="1685836824" sldId="513"/>
@@ -398,6 +407,53 @@
             <ac:spMk id="6" creationId="{504C54EB-F689-45AF-9B50-A537385B0172}"/>
           </ac:spMkLst>
         </pc:spChg>
+      </pc:sldChg>
+      <pc:sldChg chg="addSp delSp modSp add mod ord modNotesTx">
+        <pc:chgData name="moriya bitton" userId="fe77596618aebb20" providerId="LiveId" clId="{68FA2D61-E87A-4CE8-917C-AFB39CF42ABA}" dt="2024-03-04T15:19:14.363" v="766" actId="1076"/>
+        <pc:sldMkLst>
+          <pc:docMk/>
+          <pc:sldMk cId="695224067" sldId="518"/>
+        </pc:sldMkLst>
+        <pc:spChg chg="mod">
+          <ac:chgData name="moriya bitton" userId="fe77596618aebb20" providerId="LiveId" clId="{68FA2D61-E87A-4CE8-917C-AFB39CF42ABA}" dt="2024-03-04T15:05:23.930" v="680" actId="20577"/>
+          <ac:spMkLst>
+            <pc:docMk/>
+            <pc:sldMk cId="695224067" sldId="518"/>
+            <ac:spMk id="2" creationId="{00000000-0000-0000-0000-000000000000}"/>
+          </ac:spMkLst>
+        </pc:spChg>
+        <pc:spChg chg="mod">
+          <ac:chgData name="moriya bitton" userId="fe77596618aebb20" providerId="LiveId" clId="{68FA2D61-E87A-4CE8-917C-AFB39CF42ABA}" dt="2024-03-04T15:18:35.721" v="761" actId="20577"/>
+          <ac:spMkLst>
+            <pc:docMk/>
+            <pc:sldMk cId="695224067" sldId="518"/>
+            <ac:spMk id="6" creationId="{504C54EB-F689-45AF-9B50-A537385B0172}"/>
+          </ac:spMkLst>
+        </pc:spChg>
+        <pc:spChg chg="add del mod">
+          <ac:chgData name="moriya bitton" userId="fe77596618aebb20" providerId="LiveId" clId="{68FA2D61-E87A-4CE8-917C-AFB39CF42ABA}" dt="2024-03-04T15:18:32.252" v="760" actId="478"/>
+          <ac:spMkLst>
+            <pc:docMk/>
+            <pc:sldMk cId="695224067" sldId="518"/>
+            <ac:spMk id="8" creationId="{5A93FFEE-FEED-90DC-4FAA-2388EAC6EBE8}"/>
+          </ac:spMkLst>
+        </pc:spChg>
+        <pc:picChg chg="add del mod">
+          <ac:chgData name="moriya bitton" userId="fe77596618aebb20" providerId="LiveId" clId="{68FA2D61-E87A-4CE8-917C-AFB39CF42ABA}" dt="2024-03-04T15:14:43.570" v="710" actId="478"/>
+          <ac:picMkLst>
+            <pc:docMk/>
+            <pc:sldMk cId="695224067" sldId="518"/>
+            <ac:picMk id="4" creationId="{912D2791-6739-1758-1BF1-88F6926512FB}"/>
+          </ac:picMkLst>
+        </pc:picChg>
+        <pc:picChg chg="add mod modCrop">
+          <ac:chgData name="moriya bitton" userId="fe77596618aebb20" providerId="LiveId" clId="{68FA2D61-E87A-4CE8-917C-AFB39CF42ABA}" dt="2024-03-04T15:19:14.363" v="766" actId="1076"/>
+          <ac:picMkLst>
+            <pc:docMk/>
+            <pc:sldMk cId="695224067" sldId="518"/>
+            <ac:picMk id="7" creationId="{3932DF77-A5A5-B6AC-5BB9-FE9DF576F0F8}"/>
+          </ac:picMkLst>
+        </pc:picChg>
       </pc:sldChg>
       <pc:sldChg chg="new del">
         <pc:chgData name="moriya bitton" userId="fe77596618aebb20" providerId="LiveId" clId="{68FA2D61-E87A-4CE8-917C-AFB39CF42ABA}" dt="2024-03-04T13:53:21.684" v="655" actId="47"/>
@@ -2115,6 +2171,100 @@
 </p:notes>
 </file>
 
+<file path=ppt/notesSlides/notesSlide10.xml><?xml version="1.0" encoding="utf-8"?>
+<p:notes xmlns:a="http://schemas.openxmlformats.org/drawingml/2006/main" xmlns:r="http://schemas.openxmlformats.org/officeDocument/2006/relationships" xmlns:p="http://schemas.openxmlformats.org/presentationml/2006/main">
+  <p:cSld>
+    <p:spTree>
+      <p:nvGrpSpPr>
+        <p:cNvPr id="1" name=""/>
+        <p:cNvGrpSpPr/>
+        <p:nvPr/>
+      </p:nvGrpSpPr>
+      <p:grpSpPr>
+        <a:xfrm>
+          <a:off x="0" y="0"/>
+          <a:ext cx="0" cy="0"/>
+          <a:chOff x="0" y="0"/>
+          <a:chExt cx="0" cy="0"/>
+        </a:xfrm>
+      </p:grpSpPr>
+      <p:sp>
+        <p:nvSpPr>
+          <p:cNvPr id="2" name="מציין מיקום של תמונת שקופית 1"/>
+          <p:cNvSpPr>
+            <a:spLocks noGrp="1" noRot="1" noChangeAspect="1"/>
+          </p:cNvSpPr>
+          <p:nvPr>
+            <p:ph type="sldImg"/>
+          </p:nvPr>
+        </p:nvSpPr>
+        <p:spPr/>
+      </p:sp>
+      <p:sp>
+        <p:nvSpPr>
+          <p:cNvPr id="3" name="מציין מיקום של הערות 2"/>
+          <p:cNvSpPr>
+            <a:spLocks noGrp="1"/>
+          </p:cNvSpPr>
+          <p:nvPr>
+            <p:ph type="body" idx="1"/>
+          </p:nvPr>
+        </p:nvSpPr>
+        <p:spPr/>
+        <p:txBody>
+          <a:bodyPr/>
+          <a:lstStyle/>
+          <a:p>
+            <a:r>
+              <a:rPr lang="he-IL" dirty="0"/>
+              <a:t>לא רק נוצר אובייקט חדש, אלא גם כל האובייקטים המקוננים משובטים באופן רקורסיבי.</a:t>
+            </a:r>
+          </a:p>
+          <a:p>
+            <a:r>
+              <a:rPr lang="he-IL" dirty="0"/>
+              <a:t>זה מבטיח שהאובייקט המשובט אינו תלוי לחלוטין באובייקט המקורי, ללא הפניות משותפות לאובייקטים מקוננים.</a:t>
+            </a:r>
+            <a:endParaRPr lang="he-IL" b="1" u="sng" dirty="0"/>
+          </a:p>
+        </p:txBody>
+      </p:sp>
+      <p:sp>
+        <p:nvSpPr>
+          <p:cNvPr id="4" name="מציין מיקום של מספר שקופית 3"/>
+          <p:cNvSpPr>
+            <a:spLocks noGrp="1"/>
+          </p:cNvSpPr>
+          <p:nvPr>
+            <p:ph type="sldNum" sz="quarter" idx="10"/>
+          </p:nvPr>
+        </p:nvSpPr>
+        <p:spPr/>
+        <p:txBody>
+          <a:bodyPr/>
+          <a:lstStyle/>
+          <a:p>
+            <a:fld id="{9801F83C-E8FF-4EAB-9F3A-F258AED6357B}" type="slidenum">
+              <a:rPr lang="he-IL" smtClean="0"/>
+              <a:t>12</a:t>
+            </a:fld>
+            <a:endParaRPr lang="he-IL"/>
+          </a:p>
+        </p:txBody>
+      </p:sp>
+    </p:spTree>
+    <p:extLst>
+      <p:ext uri="{BB962C8B-B14F-4D97-AF65-F5344CB8AC3E}">
+        <p14:creationId xmlns:p14="http://schemas.microsoft.com/office/powerpoint/2010/main" val="3278717028"/>
+      </p:ext>
+    </p:extLst>
+  </p:cSld>
+  <p:clrMapOvr>
+    <a:masterClrMapping/>
+  </p:clrMapOvr>
+</p:notes>
+</file>
+
 <file path=ppt/notesSlides/notesSlide2.xml><?xml version="1.0" encoding="utf-8"?>
 <p:notes xmlns:a="http://schemas.openxmlformats.org/drawingml/2006/main" xmlns:r="http://schemas.openxmlformats.org/officeDocument/2006/relationships" xmlns:p="http://schemas.openxmlformats.org/presentationml/2006/main">
   <p:cSld>
@@ -2354,6 +2504,10 @@
               <a:t>בדוגמה זו, </a:t>
             </a:r>
             <a:r>
+              <a:rPr lang="en-US" b="0" u="none" dirty="0"/>
+              <a:t> </a:t>
+            </a:r>
+            <a:r>
               <a:rPr lang="en-US" b="0" u="none" dirty="0" err="1"/>
               <a:t>dir</a:t>
             </a:r>
@@ -2371,7 +2525,7 @@
             </a:r>
             <a:r>
               <a:rPr lang="he-IL" b="0" u="none" dirty="0"/>
-              <a:t>כולל שיטות ותכונות אחרות.</a:t>
+              <a:t> כולל שיטות ותכונות אחרות.</a:t>
             </a:r>
           </a:p>
           <a:p>
@@ -2379,6 +2533,10 @@
               <a:buFont typeface="Arial" panose="020B0604020202020204" pitchFamily="34" charset="0"/>
               <a:buChar char="•"/>
             </a:pPr>
+            <a:r>
+              <a:rPr lang="en-US" b="1" u="sng" dirty="0"/>
+              <a:t> </a:t>
+            </a:r>
             <a:endParaRPr lang="he-IL" b="1" u="sng" dirty="0"/>
           </a:p>
           <a:p>
@@ -2568,120 +2726,54 @@
           <a:bodyPr/>
           <a:lstStyle/>
           <a:p>
-            <a:r>
-              <a:rPr lang="he-IL" dirty="0"/>
+            <a:pPr marL="0" indent="0">
+              <a:buFont typeface="Arial" panose="020B0604020202020204" pitchFamily="34" charset="0"/>
+              <a:buNone/>
+            </a:pPr>
+            <a:r>
+              <a:rPr lang="he-IL" b="0" u="none" dirty="0"/>
               <a:t>ב-</a:t>
             </a:r>
             <a:r>
-              <a:rPr lang="en-US" dirty="0"/>
+              <a:rPr lang="en-US" b="0" u="none" dirty="0"/>
               <a:t>Java, </a:t>
             </a:r>
             <a:r>
-              <a:rPr lang="he-IL" dirty="0"/>
-              <a:t> מושג </a:t>
-            </a:r>
-            <a:r>
-              <a:rPr lang="en-US" dirty="0"/>
-              <a:t>stream</a:t>
-            </a:r>
-            <a:r>
-              <a:rPr lang="he-IL" dirty="0"/>
-              <a:t> מתייחס בעיקר לחבילת </a:t>
-            </a:r>
-            <a:r>
-              <a:rPr lang="en-US" dirty="0" err="1"/>
-              <a:t>java.util.stream</a:t>
-            </a:r>
-            <a:r>
-              <a:rPr lang="en-US" dirty="0"/>
-              <a:t>, </a:t>
-            </a:r>
-            <a:r>
-              <a:rPr lang="he-IL" dirty="0"/>
-              <a:t> שהוצגה ב-</a:t>
-            </a:r>
-            <a:r>
-              <a:rPr lang="en-US" dirty="0"/>
-              <a:t>Java 8.</a:t>
-            </a:r>
-          </a:p>
-          <a:p>
-            <a:endParaRPr lang="en-US" dirty="0"/>
-          </a:p>
-          <a:p>
-            <a:pPr marL="171450" indent="-171450">
+              <a:rPr lang="he-IL" b="0" u="none" dirty="0"/>
+              <a:t> ה- </a:t>
+            </a:r>
+            <a:r>
+              <a:rPr lang="en-US" sz="1200" dirty="0">
+                <a:solidFill>
+                  <a:schemeClr val="accent1">
+                    <a:lumMod val="75000"/>
+                  </a:schemeClr>
+                </a:solidFill>
+                <a:latin typeface="Trebuchet MS"/>
+              </a:rPr>
+              <a:t>Reflection</a:t>
+            </a:r>
+            <a:r>
+              <a:rPr lang="he-IL" b="0" u="none" dirty="0"/>
+              <a:t> יכולה לשמש גם כדי לגשת ולהפעיל שיטות פרטיות, </a:t>
+            </a:r>
+          </a:p>
+          <a:p>
+            <a:pPr marL="0" indent="0">
               <a:buFont typeface="Arial" panose="020B0604020202020204" pitchFamily="34" charset="0"/>
-              <a:buChar char="•"/>
+              <a:buNone/>
             </a:pPr>
             <a:r>
-              <a:rPr lang="en-US" dirty="0"/>
-              <a:t>stream</a:t>
-            </a:r>
-            <a:r>
-              <a:rPr lang="he-IL" dirty="0"/>
-              <a:t> ב-</a:t>
-            </a:r>
-            <a:r>
-              <a:rPr lang="en-US" dirty="0"/>
-              <a:t>Java </a:t>
-            </a:r>
-            <a:r>
-              <a:rPr lang="he-IL" dirty="0"/>
-              <a:t> מספקים דרך לעבד מסדי נתונים בצורה פונקציונלית.</a:t>
-            </a:r>
-          </a:p>
-          <a:p>
-            <a:pPr marL="171450" indent="-171450">
+              <a:rPr lang="he-IL" b="0" u="none" dirty="0"/>
+              <a:t>אם כי חשוב לציין שבדרך כלל יש להימנע מכך מכיוון שהיא עלולה להוביל לקוד שביר.</a:t>
+            </a:r>
+          </a:p>
+          <a:p>
+            <a:pPr marL="0" indent="0">
               <a:buFont typeface="Arial" panose="020B0604020202020204" pitchFamily="34" charset="0"/>
-              <a:buChar char="•"/>
+              <a:buNone/>
             </a:pPr>
-            <a:r>
-              <a:rPr lang="en-US" dirty="0"/>
-              <a:t>stream</a:t>
-            </a:r>
-            <a:r>
-              <a:rPr lang="he-IL" dirty="0"/>
-              <a:t> ב-</a:t>
-            </a:r>
-            <a:r>
-              <a:rPr lang="en-US" dirty="0"/>
-              <a:t>Java </a:t>
-            </a:r>
-            <a:r>
-              <a:rPr lang="he-IL" dirty="0"/>
-              <a:t> מספקים צינור של פעולות שניתן להחיל על אלמנטים של אוסף, כגון מפה, סינון, צמצום </a:t>
-            </a:r>
-            <a:r>
-              <a:rPr lang="he-IL" dirty="0" err="1"/>
-              <a:t>וכו</a:t>
-            </a:r>
-            <a:r>
-              <a:rPr lang="he-IL" dirty="0"/>
-              <a:t>'.</a:t>
-            </a:r>
-          </a:p>
-          <a:p>
-            <a:pPr marL="171450" indent="-171450">
-              <a:buFont typeface="Arial" panose="020B0604020202020204" pitchFamily="34" charset="0"/>
-              <a:buChar char="•"/>
-            </a:pPr>
-            <a:r>
-              <a:rPr lang="en-US" dirty="0"/>
-              <a:t>stream</a:t>
-            </a:r>
-            <a:r>
-              <a:rPr lang="he-IL" dirty="0"/>
-              <a:t> מאפשרים קוד תמציתי בעבודה עם אוספים, ומאפשרים דפוס תכנות בסגנון פונקציונלי ב-</a:t>
-            </a:r>
-            <a:r>
-              <a:rPr lang="en-US" dirty="0"/>
-              <a:t>Java.</a:t>
-            </a:r>
-            <a:r>
-              <a:rPr lang="he-IL" dirty="0"/>
-              <a:t> </a:t>
-            </a:r>
-            <a:endParaRPr lang="he-IL" b="1" u="sng" dirty="0"/>
+            <a:endParaRPr lang="he-IL" b="0" u="none" dirty="0"/>
           </a:p>
         </p:txBody>
       </p:sp>
@@ -2711,7 +2803,7 @@
     </p:spTree>
     <p:extLst>
       <p:ext uri="{BB962C8B-B14F-4D97-AF65-F5344CB8AC3E}">
-        <p14:creationId xmlns:p14="http://schemas.microsoft.com/office/powerpoint/2010/main" val="767304592"/>
+        <p14:creationId xmlns:p14="http://schemas.microsoft.com/office/powerpoint/2010/main" val="2320487618"/>
       </p:ext>
     </p:extLst>
   </p:cSld>
@@ -2766,9 +2858,44 @@
           <a:lstStyle/>
           <a:p>
             <a:r>
-              <a:rPr lang="he-IL" u="sng" dirty="0"/>
-              <a:t>בדוגמה זו:</a:t>
-            </a:r>
+              <a:rPr lang="he-IL" dirty="0"/>
+              <a:t>ב-</a:t>
+            </a:r>
+            <a:r>
+              <a:rPr lang="en-US" dirty="0"/>
+              <a:t>Java, </a:t>
+            </a:r>
+            <a:r>
+              <a:rPr lang="he-IL" dirty="0"/>
+              <a:t> מושג </a:t>
+            </a:r>
+            <a:r>
+              <a:rPr lang="en-US" dirty="0"/>
+              <a:t>stream</a:t>
+            </a:r>
+            <a:r>
+              <a:rPr lang="he-IL" dirty="0"/>
+              <a:t> מתייחס בעיקר לחבילת </a:t>
+            </a:r>
+            <a:r>
+              <a:rPr lang="en-US" dirty="0" err="1"/>
+              <a:t>java.util.stream</a:t>
+            </a:r>
+            <a:r>
+              <a:rPr lang="en-US" dirty="0"/>
+              <a:t>, </a:t>
+            </a:r>
+            <a:r>
+              <a:rPr lang="he-IL" dirty="0"/>
+              <a:t> שהוצגה ב-</a:t>
+            </a:r>
+            <a:r>
+              <a:rPr lang="en-US" dirty="0"/>
+              <a:t>Java 8.</a:t>
+            </a:r>
+          </a:p>
+          <a:p>
+            <a:endParaRPr lang="en-US" dirty="0"/>
           </a:p>
           <a:p>
             <a:pPr marL="171450" indent="-171450">
@@ -2781,7 +2908,15 @@
             </a:r>
             <a:r>
               <a:rPr lang="he-IL" dirty="0"/>
-              <a:t> נוצר מרשימת מחרוזות</a:t>
+              <a:t> ב-</a:t>
+            </a:r>
+            <a:r>
+              <a:rPr lang="en-US" dirty="0"/>
+              <a:t>Java </a:t>
+            </a:r>
+            <a:r>
+              <a:rPr lang="he-IL" dirty="0"/>
+              <a:t> מספקים דרך לעבד מסדי נתונים בצורה פונקציונלית.</a:t>
             </a:r>
           </a:p>
           <a:p>
@@ -2790,16 +2925,28 @@
               <a:buChar char="•"/>
             </a:pPr>
             <a:r>
+              <a:rPr lang="en-US" dirty="0"/>
+              <a:t>stream</a:t>
+            </a:r>
+            <a:r>
               <a:rPr lang="he-IL" dirty="0"/>
-              <a:t>מסונן כך שיכלול רק מחרוזות המתחילות ב-"</a:t>
+              <a:t> ב-</a:t>
             </a:r>
             <a:r>
               <a:rPr lang="en-US" dirty="0"/>
-              <a:t>a</a:t>
+              <a:t>Java </a:t>
             </a:r>
             <a:r>
               <a:rPr lang="he-IL" dirty="0"/>
-              <a:t>" </a:t>
+              <a:t> מספקים צינור של פעולות שניתן להחיל על אלמנטים של אוסף, כגון מפה, סינון, צמצום </a:t>
+            </a:r>
+            <a:r>
+              <a:rPr lang="he-IL" dirty="0" err="1"/>
+              <a:t>וכו</a:t>
+            </a:r>
+            <a:r>
+              <a:rPr lang="he-IL" dirty="0"/>
+              <a:t>'.</a:t>
             </a:r>
           </a:p>
           <a:p>
@@ -2808,23 +2955,20 @@
               <a:buChar char="•"/>
             </a:pPr>
             <a:r>
+              <a:rPr lang="en-US" dirty="0"/>
+              <a:t>stream</a:t>
+            </a:r>
+            <a:r>
               <a:rPr lang="he-IL" dirty="0"/>
-              <a:t>ממופה לאותיות </a:t>
-            </a:r>
-            <a:r>
-              <a:rPr lang="he-IL" dirty="0" err="1"/>
-              <a:t>רישיות</a:t>
-            </a:r>
-            <a:endParaRPr lang="he-IL" dirty="0"/>
-          </a:p>
-          <a:p>
-            <a:pPr marL="171450" indent="-171450">
-              <a:buFont typeface="Arial" panose="020B0604020202020204" pitchFamily="34" charset="0"/>
-              <a:buChar char="•"/>
-            </a:pPr>
+              <a:t> מאפשרים קוד תמציתי בעבודה עם אוספים, ומאפשרים דפוס תכנות בסגנון פונקציונלי ב-</a:t>
+            </a:r>
+            <a:r>
+              <a:rPr lang="en-US" dirty="0"/>
+              <a:t>Java.</a:t>
+            </a:r>
             <a:r>
               <a:rPr lang="he-IL" dirty="0"/>
-              <a:t>נאסף לרשימה חדשה.</a:t>
+              <a:t> </a:t>
             </a:r>
             <a:endParaRPr lang="he-IL" b="1" u="sng" dirty="0"/>
           </a:p>
@@ -2856,7 +3000,7 @@
     </p:spTree>
     <p:extLst>
       <p:ext uri="{BB962C8B-B14F-4D97-AF65-F5344CB8AC3E}">
-        <p14:creationId xmlns:p14="http://schemas.microsoft.com/office/powerpoint/2010/main" val="3010615673"/>
+        <p14:creationId xmlns:p14="http://schemas.microsoft.com/office/powerpoint/2010/main" val="767304592"/>
       </p:ext>
     </p:extLst>
   </p:cSld>
@@ -2911,70 +3055,65 @@
           <a:lstStyle/>
           <a:p>
             <a:r>
+              <a:rPr lang="he-IL" u="sng" dirty="0"/>
+              <a:t>בדוגמה זו:</a:t>
+            </a:r>
+          </a:p>
+          <a:p>
+            <a:pPr marL="171450" indent="-171450">
+              <a:buFont typeface="Arial" panose="020B0604020202020204" pitchFamily="34" charset="0"/>
+              <a:buChar char="•"/>
+            </a:pPr>
+            <a:r>
+              <a:rPr lang="en-US" dirty="0"/>
+              <a:t>stream</a:t>
+            </a:r>
+            <a:r>
               <a:rPr lang="he-IL" dirty="0"/>
-              <a:t>מודול </a:t>
+              <a:t> נוצר מרשימת מחרוזות</a:t>
+            </a:r>
+          </a:p>
+          <a:p>
+            <a:pPr marL="171450" indent="-171450">
+              <a:buFont typeface="Arial" panose="020B0604020202020204" pitchFamily="34" charset="0"/>
+              <a:buChar char="•"/>
+            </a:pPr>
+            <a:r>
+              <a:rPr lang="he-IL" dirty="0"/>
+              <a:t>מסונן כך שיכלול רק מחרוזות המתחילות ב-"</a:t>
             </a:r>
             <a:r>
               <a:rPr lang="en-US" dirty="0"/>
-              <a:t>itertools </a:t>
+              <a:t>a</a:t>
             </a:r>
             <a:r>
               <a:rPr lang="he-IL" dirty="0"/>
-              <a:t> ב- </a:t>
-            </a:r>
-            <a:r>
-              <a:rPr lang="en-US" dirty="0"/>
-              <a:t>Python </a:t>
-            </a:r>
+              <a:t>" </a:t>
+            </a:r>
+          </a:p>
+          <a:p>
+            <a:pPr marL="171450" indent="-171450">
+              <a:buFont typeface="Arial" panose="020B0604020202020204" pitchFamily="34" charset="0"/>
+              <a:buChar char="•"/>
+            </a:pPr>
             <a:r>
               <a:rPr lang="he-IL" dirty="0"/>
-              <a:t> מספק פונקציות שונות ליצירה ועבודה עם </a:t>
+              <a:t>ממופה לאותיות </a:t>
             </a:r>
             <a:r>
               <a:rPr lang="he-IL" dirty="0" err="1"/>
-              <a:t>איטרטורים</a:t>
-            </a:r>
+              <a:t>רישיות</a:t>
+            </a:r>
+            <a:endParaRPr lang="he-IL" dirty="0"/>
+          </a:p>
+          <a:p>
+            <a:pPr marL="171450" indent="-171450">
+              <a:buFont typeface="Arial" panose="020B0604020202020204" pitchFamily="34" charset="0"/>
+              <a:buChar char="•"/>
+            </a:pPr>
             <a:r>
               <a:rPr lang="he-IL" dirty="0"/>
-              <a:t> ביעילות.</a:t>
-            </a:r>
-          </a:p>
-          <a:p>
-            <a:endParaRPr lang="he-IL" dirty="0"/>
-          </a:p>
-          <a:p>
-            <a:r>
-              <a:rPr lang="he-IL" dirty="0"/>
-              <a:t>הוא מציע אוסף של פונקציות המאפשרות לך לתפעל ולשלב </a:t>
-            </a:r>
-            <a:r>
-              <a:rPr lang="he-IL" dirty="0" err="1"/>
-              <a:t>איטרטורים</a:t>
-            </a:r>
-            <a:r>
-              <a:rPr lang="he-IL" dirty="0"/>
-              <a:t> בדרכים שימושיות.</a:t>
-            </a:r>
-          </a:p>
-          <a:p>
-            <a:endParaRPr lang="he-IL" dirty="0"/>
-          </a:p>
-          <a:p>
-            <a:r>
-              <a:rPr lang="he-IL" dirty="0"/>
-              <a:t>משימות כמו: פרמוטציות, קומבינציות, קיבוץ (</a:t>
-            </a:r>
-            <a:r>
-              <a:rPr lang="en-US" dirty="0"/>
-              <a:t>group(</a:t>
-            </a:r>
-            <a:r>
-              <a:rPr lang="he-IL" dirty="0"/>
-              <a:t> , לולאה על </a:t>
-            </a:r>
-            <a:r>
-              <a:rPr lang="he-IL" dirty="0" err="1"/>
-              <a:t>איטרטורים</a:t>
+              <a:t>נאסף לרשימה חדשה</a:t>
             </a:r>
             <a:endParaRPr lang="he-IL" b="1" u="sng" dirty="0"/>
           </a:p>
@@ -3006,7 +3145,7 @@
     </p:spTree>
     <p:extLst>
       <p:ext uri="{BB962C8B-B14F-4D97-AF65-F5344CB8AC3E}">
-        <p14:creationId xmlns:p14="http://schemas.microsoft.com/office/powerpoint/2010/main" val="690839745"/>
+        <p14:creationId xmlns:p14="http://schemas.microsoft.com/office/powerpoint/2010/main" val="3010615673"/>
       </p:ext>
     </p:extLst>
   </p:cSld>
@@ -3061,12 +3200,32 @@
           <a:lstStyle/>
           <a:p>
             <a:r>
+              <a:rPr lang="he-IL" dirty="0"/>
+              <a:t>מודול </a:t>
+            </a:r>
+            <a:r>
               <a:rPr lang="en-US" dirty="0"/>
-              <a:t>Cloning</a:t>
+              <a:t>itertools </a:t>
             </a:r>
             <a:r>
               <a:rPr lang="he-IL" dirty="0"/>
-              <a:t> יוצר שכפול או עותק של אובייקט קיים, או מבנה נתונים.</a:t>
+              <a:t> ב- </a:t>
+            </a:r>
+            <a:r>
+              <a:rPr lang="en-US" dirty="0"/>
+              <a:t>Python </a:t>
+            </a:r>
+            <a:r>
+              <a:rPr lang="he-IL" dirty="0"/>
+              <a:t> מספק פונקציות שונות ליצירה ועבודה עם </a:t>
+            </a:r>
+            <a:r>
+              <a:rPr lang="he-IL" dirty="0" err="1"/>
+              <a:t>איטרטורים</a:t>
+            </a:r>
+            <a:r>
+              <a:rPr lang="he-IL" dirty="0"/>
+              <a:t> ביעילות.</a:t>
             </a:r>
           </a:p>
           <a:p>
@@ -3074,12 +3233,37 @@
           </a:p>
           <a:p>
             <a:r>
+              <a:rPr lang="he-IL" dirty="0"/>
+              <a:t>הוא מציע אוסף של פונקציות המאפשרות לך לתפעל ולשלב </a:t>
+            </a:r>
+            <a:r>
+              <a:rPr lang="he-IL" dirty="0" err="1"/>
+              <a:t>איטרטורים</a:t>
+            </a:r>
+            <a:r>
+              <a:rPr lang="he-IL" dirty="0"/>
+              <a:t> בדרכים שימושיות.</a:t>
+            </a:r>
+          </a:p>
+          <a:p>
+            <a:endParaRPr lang="he-IL" dirty="0"/>
+          </a:p>
+          <a:p>
+            <a:r>
+              <a:rPr lang="he-IL" dirty="0"/>
+              <a:t>משימות כמו: פרמוטציות, קומבינציות, קיבוץ (</a:t>
+            </a:r>
+            <a:r>
               <a:rPr lang="en-US" dirty="0"/>
-              <a:t>Cloning</a:t>
+              <a:t>group(</a:t>
             </a:r>
             <a:r>
               <a:rPr lang="he-IL" dirty="0"/>
-              <a:t> מאפשר לך לשכפל מצב או מבנה של אובייקט כך שתוכל לעבוד איתו ללא תלות במקור.</a:t>
+              <a:t> , לולאה על </a:t>
+            </a:r>
+            <a:r>
+              <a:rPr lang="he-IL" dirty="0" err="1"/>
+              <a:t>איטרטורים</a:t>
             </a:r>
             <a:endParaRPr lang="he-IL" b="1" u="sng" dirty="0"/>
           </a:p>
@@ -3111,7 +3295,7 @@
     </p:spTree>
     <p:extLst>
       <p:ext uri="{BB962C8B-B14F-4D97-AF65-F5344CB8AC3E}">
-        <p14:creationId xmlns:p14="http://schemas.microsoft.com/office/powerpoint/2010/main" val="4134773482"/>
+        <p14:creationId xmlns:p14="http://schemas.microsoft.com/office/powerpoint/2010/main" val="690839745"/>
       </p:ext>
     </p:extLst>
   </p:cSld>
@@ -3166,20 +3350,25 @@
           <a:lstStyle/>
           <a:p>
             <a:r>
+              <a:rPr lang="en-US" dirty="0"/>
+              <a:t>Cloning</a:t>
+            </a:r>
+            <a:r>
               <a:rPr lang="he-IL" dirty="0"/>
-              <a:t>נוצר אובייקט חדש, ולאחר מכן מעתיקים את התוכן של האובייקט המקורי לאובייקט החדש.</a:t>
-            </a:r>
-          </a:p>
-          <a:p>
+              <a:t> יוצר שכפול או עותק של אובייקט קיים, או מבנה נתונים.</a:t>
+            </a:r>
+          </a:p>
+          <a:p>
+            <a:endParaRPr lang="he-IL" dirty="0"/>
+          </a:p>
+          <a:p>
+            <a:r>
+              <a:rPr lang="en-US" dirty="0"/>
+              <a:t>Cloning</a:t>
+            </a:r>
             <a:r>
               <a:rPr lang="he-IL" dirty="0"/>
-              <a:t>עם זאת, אם האובייקט המקורי מכיל הפניות לאובייקטים אחרים, רק ההפניות מועתקות, לא האובייקטים עצמם.</a:t>
-            </a:r>
-          </a:p>
-          <a:p>
-            <a:r>
-              <a:rPr lang="he-IL" dirty="0"/>
-              <a:t>המשמעות היא שגם האובייקט המקורי וגם האובייקט המשובט יחלקו הפניות לאותם אובייקטים מקוננים.</a:t>
+              <a:t> מאפשר לך לשכפל מצב או מבנה של אובייקט כך שתוכל לעבוד איתו ללא תלות במקור.</a:t>
             </a:r>
             <a:endParaRPr lang="he-IL" b="1" u="sng" dirty="0"/>
           </a:p>
@@ -3211,7 +3400,7 @@
     </p:spTree>
     <p:extLst>
       <p:ext uri="{BB962C8B-B14F-4D97-AF65-F5344CB8AC3E}">
-        <p14:creationId xmlns:p14="http://schemas.microsoft.com/office/powerpoint/2010/main" val="1217380173"/>
+        <p14:creationId xmlns:p14="http://schemas.microsoft.com/office/powerpoint/2010/main" val="4134773482"/>
       </p:ext>
     </p:extLst>
   </p:cSld>
@@ -3267,13 +3456,19 @@
           <a:p>
             <a:r>
               <a:rPr lang="he-IL" dirty="0"/>
-              <a:t>לא רק נוצר אובייקט חדש, אלא גם כל האובייקטים המקוננים משובטים באופן רקורסיבי.</a:t>
+              <a:t>נוצר אובייקט חדש, ולאחר מכן מעתיקים את התוכן של האובייקט המקורי לאובייקט החדש.</a:t>
             </a:r>
           </a:p>
           <a:p>
             <a:r>
               <a:rPr lang="he-IL" dirty="0"/>
-              <a:t>זה מבטיח שהאובייקט המשובט אינו תלוי לחלוטין באובייקט המקורי, ללא הפניות משותפות לאובייקטים מקוננים.</a:t>
+              <a:t>עם זאת, אם האובייקט המקורי מכיל הפניות לאובייקטים אחרים, רק ההפניות מועתקות, לא האובייקטים עצמם.</a:t>
+            </a:r>
+          </a:p>
+          <a:p>
+            <a:r>
+              <a:rPr lang="he-IL" dirty="0"/>
+              <a:t>המשמעות היא שגם האובייקט המקורי וגם האובייקט המשובט יחלקו הפניות לאותם אובייקטים מקוננים.</a:t>
             </a:r>
             <a:endParaRPr lang="he-IL" b="1" u="sng" dirty="0"/>
           </a:p>
@@ -3305,7 +3500,7 @@
     </p:spTree>
     <p:extLst>
       <p:ext uri="{BB962C8B-B14F-4D97-AF65-F5344CB8AC3E}">
-        <p14:creationId xmlns:p14="http://schemas.microsoft.com/office/powerpoint/2010/main" val="3278717028"/>
+        <p14:creationId xmlns:p14="http://schemas.microsoft.com/office/powerpoint/2010/main" val="1217380173"/>
       </p:ext>
     </p:extLst>
   </p:cSld>
@@ -6871,6 +7066,181 @@
                 </a:solidFill>
                 <a:latin typeface="Trebuchet MS"/>
               </a:rPr>
+              <a:t>Cloning</a:t>
+            </a:r>
+          </a:p>
+        </p:txBody>
+      </p:sp>
+      <p:sp>
+        <p:nvSpPr>
+          <p:cNvPr id="6" name="object 3">
+            <a:extLst>
+              <a:ext uri="{FF2B5EF4-FFF2-40B4-BE49-F238E27FC236}">
+                <a16:creationId xmlns:a16="http://schemas.microsoft.com/office/drawing/2014/main" id="{504C54EB-F689-45AF-9B50-A537385B0172}"/>
+              </a:ext>
+            </a:extLst>
+          </p:cNvPr>
+          <p:cNvSpPr txBox="1"/>
+          <p:nvPr/>
+        </p:nvSpPr>
+        <p:spPr>
+          <a:xfrm>
+            <a:off x="627039" y="996210"/>
+            <a:ext cx="11050905" cy="3702360"/>
+          </a:xfrm>
+          <a:prstGeom prst="rect">
+            <a:avLst/>
+          </a:prstGeom>
+        </p:spPr>
+        <p:txBody>
+          <a:bodyPr vert="horz" wrap="square" lIns="0" tIns="12700" rIns="0" bIns="0" rtlCol="0">
+            <a:spAutoFit/>
+          </a:bodyPr>
+          <a:lstStyle/>
+          <a:p>
+            <a:pPr>
+              <a:lnSpc>
+                <a:spcPct val="150000"/>
+              </a:lnSpc>
+            </a:pPr>
+            <a:r>
+              <a:rPr lang="en-US" dirty="0"/>
+              <a:t>Cloning creates a duplicate or copy of an existing object, or data structure. </a:t>
+            </a:r>
+          </a:p>
+          <a:p>
+            <a:pPr>
+              <a:lnSpc>
+                <a:spcPct val="150000"/>
+              </a:lnSpc>
+            </a:pPr>
+            <a:endParaRPr lang="en-US" dirty="0"/>
+          </a:p>
+          <a:p>
+            <a:pPr>
+              <a:lnSpc>
+                <a:spcPct val="150000"/>
+              </a:lnSpc>
+            </a:pPr>
+            <a:r>
+              <a:rPr lang="en-US" dirty="0"/>
+              <a:t>Cloning allows you to replicate an object's state or structure so that you can work with it independently of the original.</a:t>
+            </a:r>
+          </a:p>
+          <a:p>
+            <a:pPr>
+              <a:lnSpc>
+                <a:spcPct val="150000"/>
+              </a:lnSpc>
+            </a:pPr>
+            <a:endParaRPr lang="en-US" dirty="0"/>
+          </a:p>
+          <a:p>
+            <a:pPr>
+              <a:lnSpc>
+                <a:spcPct val="150000"/>
+              </a:lnSpc>
+            </a:pPr>
+            <a:r>
+              <a:rPr lang="en-US" b="1" u="sng" dirty="0"/>
+              <a:t>There are two main types of cloning: </a:t>
+            </a:r>
+          </a:p>
+          <a:p>
+            <a:pPr marL="342900" indent="-342900">
+              <a:lnSpc>
+                <a:spcPct val="150000"/>
+              </a:lnSpc>
+              <a:buAutoNum type="arabicPeriod"/>
+            </a:pPr>
+            <a:r>
+              <a:rPr lang="en-US" dirty="0"/>
+              <a:t>shallow cloning </a:t>
+            </a:r>
+          </a:p>
+          <a:p>
+            <a:pPr marL="342900" indent="-342900">
+              <a:lnSpc>
+                <a:spcPct val="150000"/>
+              </a:lnSpc>
+              <a:buAutoNum type="arabicPeriod"/>
+            </a:pPr>
+            <a:r>
+              <a:rPr lang="en-US" dirty="0"/>
+              <a:t>deep cloning</a:t>
+            </a:r>
+          </a:p>
+          <a:p>
+            <a:pPr>
+              <a:lnSpc>
+                <a:spcPct val="150000"/>
+              </a:lnSpc>
+            </a:pPr>
+            <a:endParaRPr lang="en-US" dirty="0"/>
+          </a:p>
+        </p:txBody>
+      </p:sp>
+    </p:spTree>
+    <p:extLst>
+      <p:ext uri="{BB962C8B-B14F-4D97-AF65-F5344CB8AC3E}">
+        <p14:creationId xmlns:p14="http://schemas.microsoft.com/office/powerpoint/2010/main" val="2700773620"/>
+      </p:ext>
+    </p:extLst>
+  </p:cSld>
+  <p:clrMapOvr>
+    <a:masterClrMapping/>
+  </p:clrMapOvr>
+</p:sld>
+</file>
+
+<file path=ppt/slides/slide11.xml><?xml version="1.0" encoding="utf-8"?>
+<p:sld xmlns:a="http://schemas.openxmlformats.org/drawingml/2006/main" xmlns:r="http://schemas.openxmlformats.org/officeDocument/2006/relationships" xmlns:p="http://schemas.openxmlformats.org/presentationml/2006/main">
+  <p:cSld>
+    <p:spTree>
+      <p:nvGrpSpPr>
+        <p:cNvPr id="1" name=""/>
+        <p:cNvGrpSpPr/>
+        <p:nvPr/>
+      </p:nvGrpSpPr>
+      <p:grpSpPr>
+        <a:xfrm>
+          <a:off x="0" y="0"/>
+          <a:ext cx="0" cy="0"/>
+          <a:chOff x="0" y="0"/>
+          <a:chExt cx="0" cy="0"/>
+        </a:xfrm>
+      </p:grpSpPr>
+      <p:sp>
+        <p:nvSpPr>
+          <p:cNvPr id="2" name="object 2"/>
+          <p:cNvSpPr txBox="1"/>
+          <p:nvPr/>
+        </p:nvSpPr>
+        <p:spPr>
+          <a:xfrm>
+            <a:off x="1181259" y="129138"/>
+            <a:ext cx="9829483" cy="566822"/>
+          </a:xfrm>
+          <a:prstGeom prst="rect">
+            <a:avLst/>
+          </a:prstGeom>
+        </p:spPr>
+        <p:txBody>
+          <a:bodyPr vert="horz" wrap="square" lIns="0" tIns="12700" rIns="0" bIns="0" rtlCol="0">
+            <a:spAutoFit/>
+          </a:bodyPr>
+          <a:lstStyle/>
+          <a:p>
+            <a:pPr algn="ctr"/>
+            <a:r>
+              <a:rPr lang="en-US" sz="3600" dirty="0">
+                <a:solidFill>
+                  <a:schemeClr val="accent1">
+                    <a:lumMod val="75000"/>
+                  </a:schemeClr>
+                </a:solidFill>
+                <a:latin typeface="Trebuchet MS"/>
+              </a:rPr>
               <a:t>Shallow Cloning</a:t>
             </a:r>
           </a:p>
@@ -6958,7 +7328,7 @@
 </p:sld>
 </file>
 
-<file path=ppt/slides/slide11.xml><?xml version="1.0" encoding="utf-8"?>
+<file path=ppt/slides/slide12.xml><?xml version="1.0" encoding="utf-8"?>
 <p:sld xmlns:a="http://schemas.openxmlformats.org/drawingml/2006/main" xmlns:r="http://schemas.openxmlformats.org/officeDocument/2006/relationships" xmlns:p="http://schemas.openxmlformats.org/presentationml/2006/main">
   <p:cSld>
     <p:spTree>
@@ -7616,7 +7986,7 @@
         <p:spPr>
           <a:xfrm>
             <a:off x="627039" y="996210"/>
-            <a:ext cx="11050905" cy="2871363"/>
+            <a:ext cx="11050905" cy="1209370"/>
           </a:xfrm>
           <a:prstGeom prst="rect">
             <a:avLst/>
@@ -7628,79 +7998,18 @@
           </a:bodyPr>
           <a:lstStyle/>
           <a:p>
-            <a:pPr marL="285750" indent="-285750">
+            <a:pPr>
               <a:lnSpc>
                 <a:spcPct val="150000"/>
               </a:lnSpc>
-              <a:buFont typeface="Arial" panose="020B0604020202020204" pitchFamily="34" charset="0"/>
-              <a:buChar char="•"/>
             </a:pPr>
             <a:r>
               <a:rPr lang="en-US" b="1" u="sng" dirty="0"/>
-              <a:t>Inspect Class Information</a:t>
-            </a:r>
-            <a:r>
-              <a:rPr lang="en-US" dirty="0"/>
-              <a:t>:  You can use built-in functions like </a:t>
-            </a:r>
-            <a:r>
-              <a:rPr lang="en-US" dirty="0" err="1"/>
-              <a:t>dir</a:t>
-            </a:r>
-            <a:r>
-              <a:rPr lang="en-US" dirty="0"/>
-              <a:t>() and </a:t>
-            </a:r>
-            <a:r>
-              <a:rPr lang="en-US" dirty="0" err="1"/>
-              <a:t>getattr</a:t>
-            </a:r>
-            <a:r>
-              <a:rPr lang="en-US" dirty="0"/>
-              <a:t>() to inspect classes, objects, and modules.</a:t>
-            </a:r>
-          </a:p>
-          <a:p>
-            <a:pPr marL="285750" indent="-285750">
-              <a:lnSpc>
-                <a:spcPct val="150000"/>
-              </a:lnSpc>
-              <a:buFont typeface="Arial" panose="020B0604020202020204" pitchFamily="34" charset="0"/>
-              <a:buChar char="•"/>
-            </a:pPr>
-            <a:r>
+              <a:t>Example in Python</a:t>
+            </a:r>
+            <a:br>
               <a:rPr lang="en-US" b="1" u="sng" dirty="0"/>
-              <a:t>Instantiate Objects Dynamically</a:t>
-            </a:r>
-            <a:r>
-              <a:rPr lang="en-US" dirty="0"/>
-              <a:t>:  You can use the type() function to dynamically create new class objects.</a:t>
-            </a:r>
-          </a:p>
-          <a:p>
-            <a:pPr marL="285750" indent="-285750">
-              <a:lnSpc>
-                <a:spcPct val="150000"/>
-              </a:lnSpc>
-              <a:buFont typeface="Arial" panose="020B0604020202020204" pitchFamily="34" charset="0"/>
-              <a:buChar char="•"/>
-            </a:pPr>
-            <a:r>
-              <a:rPr lang="en-US" b="1" u="sng" dirty="0"/>
-              <a:t>Invoke Methods Dynamically</a:t>
-            </a:r>
-            <a:r>
-              <a:rPr lang="en-US" dirty="0"/>
-              <a:t>:  You can use </a:t>
-            </a:r>
-            <a:r>
-              <a:rPr lang="en-US" dirty="0" err="1"/>
-              <a:t>getattr</a:t>
-            </a:r>
-            <a:r>
-              <a:rPr lang="en-US" dirty="0"/>
-              <a:t>() to get a method by name and then invoke it on an object.</a:t>
-            </a:r>
+            </a:br>
             <a:br>
               <a:rPr lang="en-US" dirty="0"/>
             </a:br>
@@ -7768,6 +8077,175 @@
                   </a:schemeClr>
                 </a:solidFill>
                 <a:latin typeface="Trebuchet MS"/>
+              </a:rPr>
+              <a:t>Reflection in Java</a:t>
+            </a:r>
+          </a:p>
+        </p:txBody>
+      </p:sp>
+      <p:sp>
+        <p:nvSpPr>
+          <p:cNvPr id="6" name="object 3">
+            <a:extLst>
+              <a:ext uri="{FF2B5EF4-FFF2-40B4-BE49-F238E27FC236}">
+                <a16:creationId xmlns:a16="http://schemas.microsoft.com/office/drawing/2014/main" id="{504C54EB-F689-45AF-9B50-A537385B0172}"/>
+              </a:ext>
+            </a:extLst>
+          </p:cNvPr>
+          <p:cNvSpPr txBox="1"/>
+          <p:nvPr/>
+        </p:nvSpPr>
+        <p:spPr>
+          <a:xfrm>
+            <a:off x="627039" y="996210"/>
+            <a:ext cx="11050905" cy="1624868"/>
+          </a:xfrm>
+          <a:prstGeom prst="rect">
+            <a:avLst/>
+          </a:prstGeom>
+        </p:spPr>
+        <p:txBody>
+          <a:bodyPr vert="horz" wrap="square" lIns="0" tIns="12700" rIns="0" bIns="0" rtlCol="0">
+            <a:spAutoFit/>
+          </a:bodyPr>
+          <a:lstStyle/>
+          <a:p>
+            <a:pPr>
+              <a:lnSpc>
+                <a:spcPct val="150000"/>
+              </a:lnSpc>
+            </a:pPr>
+            <a:r>
+              <a:rPr lang="en-US" dirty="0"/>
+              <a:t>In Java, reflection can also be used to access and invoke private methods. </a:t>
+            </a:r>
+          </a:p>
+          <a:p>
+            <a:pPr>
+              <a:lnSpc>
+                <a:spcPct val="150000"/>
+              </a:lnSpc>
+            </a:pPr>
+            <a:r>
+              <a:rPr lang="en-US" dirty="0"/>
+              <a:t>Although it's important to note that this should generally be avoided because it can lead to brittle code. </a:t>
+            </a:r>
+          </a:p>
+          <a:p>
+            <a:pPr>
+              <a:lnSpc>
+                <a:spcPct val="150000"/>
+              </a:lnSpc>
+            </a:pPr>
+            <a:endParaRPr lang="en-US" dirty="0"/>
+          </a:p>
+          <a:p>
+            <a:pPr>
+              <a:lnSpc>
+                <a:spcPct val="150000"/>
+              </a:lnSpc>
+            </a:pPr>
+            <a:r>
+              <a:rPr lang="en-US" dirty="0"/>
+              <a:t>However, here's an </a:t>
+            </a:r>
+            <a:r>
+              <a:rPr lang="en-US" u="sng" dirty="0"/>
+              <a:t>example:</a:t>
+            </a:r>
+            <a:endParaRPr lang="en-US" dirty="0"/>
+          </a:p>
+        </p:txBody>
+      </p:sp>
+      <p:pic>
+        <p:nvPicPr>
+          <p:cNvPr id="7" name="תמונה 6">
+            <a:extLst>
+              <a:ext uri="{FF2B5EF4-FFF2-40B4-BE49-F238E27FC236}">
+                <a16:creationId xmlns:a16="http://schemas.microsoft.com/office/drawing/2014/main" id="{3932DF77-A5A5-B6AC-5BB9-FE9DF576F0F8}"/>
+              </a:ext>
+            </a:extLst>
+          </p:cNvPr>
+          <p:cNvPicPr>
+            <a:picLocks noChangeAspect="1"/>
+          </p:cNvPicPr>
+          <p:nvPr/>
+        </p:nvPicPr>
+        <p:blipFill rotWithShape="1">
+          <a:blip r:embed="rId3"/>
+          <a:srcRect r="7531"/>
+          <a:stretch/>
+        </p:blipFill>
+        <p:spPr>
+          <a:xfrm>
+            <a:off x="3328035" y="2621078"/>
+            <a:ext cx="5535929" cy="4109018"/>
+          </a:xfrm>
+          <a:prstGeom prst="rect">
+            <a:avLst/>
+          </a:prstGeom>
+        </p:spPr>
+      </p:pic>
+    </p:spTree>
+    <p:extLst>
+      <p:ext uri="{BB962C8B-B14F-4D97-AF65-F5344CB8AC3E}">
+        <p14:creationId xmlns:p14="http://schemas.microsoft.com/office/powerpoint/2010/main" val="695224067"/>
+      </p:ext>
+    </p:extLst>
+  </p:cSld>
+  <p:clrMapOvr>
+    <a:masterClrMapping/>
+  </p:clrMapOvr>
+</p:sld>
+</file>
+
+<file path=ppt/slides/slide7.xml><?xml version="1.0" encoding="utf-8"?>
+<p:sld xmlns:a="http://schemas.openxmlformats.org/drawingml/2006/main" xmlns:r="http://schemas.openxmlformats.org/officeDocument/2006/relationships" xmlns:p="http://schemas.openxmlformats.org/presentationml/2006/main">
+  <p:cSld>
+    <p:spTree>
+      <p:nvGrpSpPr>
+        <p:cNvPr id="1" name=""/>
+        <p:cNvGrpSpPr/>
+        <p:nvPr/>
+      </p:nvGrpSpPr>
+      <p:grpSpPr>
+        <a:xfrm>
+          <a:off x="0" y="0"/>
+          <a:ext cx="0" cy="0"/>
+          <a:chOff x="0" y="0"/>
+          <a:chExt cx="0" cy="0"/>
+        </a:xfrm>
+      </p:grpSpPr>
+      <p:sp>
+        <p:nvSpPr>
+          <p:cNvPr id="2" name="object 2"/>
+          <p:cNvSpPr txBox="1"/>
+          <p:nvPr/>
+        </p:nvSpPr>
+        <p:spPr>
+          <a:xfrm>
+            <a:off x="1181259" y="129138"/>
+            <a:ext cx="9829483" cy="566822"/>
+          </a:xfrm>
+          <a:prstGeom prst="rect">
+            <a:avLst/>
+          </a:prstGeom>
+        </p:spPr>
+        <p:txBody>
+          <a:bodyPr vert="horz" wrap="square" lIns="0" tIns="12700" rIns="0" bIns="0" rtlCol="0">
+            <a:spAutoFit/>
+          </a:bodyPr>
+          <a:lstStyle/>
+          <a:p>
+            <a:pPr algn="ctr"/>
+            <a:r>
+              <a:rPr lang="en-US" sz="3600" dirty="0">
+                <a:solidFill>
+                  <a:schemeClr val="accent1">
+                    <a:lumMod val="75000"/>
+                  </a:schemeClr>
+                </a:solidFill>
+                <a:latin typeface="Trebuchet MS"/>
                 <a:cs typeface="Trebuchet MS"/>
               </a:rPr>
               <a:t>Streams</a:t>
@@ -7901,7 +8379,7 @@
 </p:sld>
 </file>
 
-<file path=ppt/slides/slide7.xml><?xml version="1.0" encoding="utf-8"?>
+<file path=ppt/slides/slide8.xml><?xml version="1.0" encoding="utf-8"?>
 <p:sld xmlns:a="http://schemas.openxmlformats.org/drawingml/2006/main" xmlns:r="http://schemas.openxmlformats.org/officeDocument/2006/relationships" xmlns:p="http://schemas.openxmlformats.org/presentationml/2006/main">
   <p:cSld>
     <p:spTree>
@@ -8064,235 +8542,6 @@
 </p:sld>
 </file>
 
-<file path=ppt/slides/slide8.xml><?xml version="1.0" encoding="utf-8"?>
-<p:sld xmlns:a="http://schemas.openxmlformats.org/drawingml/2006/main" xmlns:r="http://schemas.openxmlformats.org/officeDocument/2006/relationships" xmlns:p="http://schemas.openxmlformats.org/presentationml/2006/main">
-  <p:cSld>
-    <p:spTree>
-      <p:nvGrpSpPr>
-        <p:cNvPr id="1" name=""/>
-        <p:cNvGrpSpPr/>
-        <p:nvPr/>
-      </p:nvGrpSpPr>
-      <p:grpSpPr>
-        <a:xfrm>
-          <a:off x="0" y="0"/>
-          <a:ext cx="0" cy="0"/>
-          <a:chOff x="0" y="0"/>
-          <a:chExt cx="0" cy="0"/>
-        </a:xfrm>
-      </p:grpSpPr>
-      <p:sp>
-        <p:nvSpPr>
-          <p:cNvPr id="2" name="object 2"/>
-          <p:cNvSpPr txBox="1"/>
-          <p:nvPr/>
-        </p:nvSpPr>
-        <p:spPr>
-          <a:xfrm>
-            <a:off x="1181259" y="129138"/>
-            <a:ext cx="9829483" cy="566822"/>
-          </a:xfrm>
-          <a:prstGeom prst="rect">
-            <a:avLst/>
-          </a:prstGeom>
-        </p:spPr>
-        <p:txBody>
-          <a:bodyPr vert="horz" wrap="square" lIns="0" tIns="12700" rIns="0" bIns="0" rtlCol="0">
-            <a:spAutoFit/>
-          </a:bodyPr>
-          <a:lstStyle/>
-          <a:p>
-            <a:pPr algn="ctr"/>
-            <a:r>
-              <a:rPr lang="en-US" sz="3600" dirty="0">
-                <a:solidFill>
-                  <a:schemeClr val="accent1">
-                    <a:lumMod val="75000"/>
-                  </a:schemeClr>
-                </a:solidFill>
-                <a:latin typeface="Trebuchet MS"/>
-              </a:rPr>
-              <a:t>‘</a:t>
-            </a:r>
-            <a:r>
-              <a:rPr lang="en-US" sz="3600" dirty="0" err="1">
-                <a:solidFill>
-                  <a:schemeClr val="accent1">
-                    <a:lumMod val="75000"/>
-                  </a:schemeClr>
-                </a:solidFill>
-                <a:latin typeface="Trebuchet MS"/>
-              </a:rPr>
-              <a:t>itertools</a:t>
-            </a:r>
-            <a:r>
-              <a:rPr lang="en-US" sz="3600" dirty="0">
-                <a:solidFill>
-                  <a:schemeClr val="accent1">
-                    <a:lumMod val="75000"/>
-                  </a:schemeClr>
-                </a:solidFill>
-                <a:latin typeface="Trebuchet MS"/>
-              </a:rPr>
-              <a:t>’</a:t>
-            </a:r>
-          </a:p>
-        </p:txBody>
-      </p:sp>
-      <p:sp>
-        <p:nvSpPr>
-          <p:cNvPr id="6" name="object 3">
-            <a:extLst>
-              <a:ext uri="{FF2B5EF4-FFF2-40B4-BE49-F238E27FC236}">
-                <a16:creationId xmlns:a16="http://schemas.microsoft.com/office/drawing/2014/main" id="{504C54EB-F689-45AF-9B50-A537385B0172}"/>
-              </a:ext>
-            </a:extLst>
-          </p:cNvPr>
-          <p:cNvSpPr txBox="1"/>
-          <p:nvPr/>
-        </p:nvSpPr>
-        <p:spPr>
-          <a:xfrm>
-            <a:off x="627039" y="996210"/>
-            <a:ext cx="11050905" cy="4117859"/>
-          </a:xfrm>
-          <a:prstGeom prst="rect">
-            <a:avLst/>
-          </a:prstGeom>
-        </p:spPr>
-        <p:txBody>
-          <a:bodyPr vert="horz" wrap="square" lIns="0" tIns="12700" rIns="0" bIns="0" rtlCol="0">
-            <a:spAutoFit/>
-          </a:bodyPr>
-          <a:lstStyle/>
-          <a:p>
-            <a:pPr>
-              <a:lnSpc>
-                <a:spcPct val="150000"/>
-              </a:lnSpc>
-            </a:pPr>
-            <a:r>
-              <a:rPr lang="en-US" dirty="0"/>
-              <a:t>The ‘</a:t>
-            </a:r>
-            <a:r>
-              <a:rPr lang="en-US" i="1" dirty="0" err="1"/>
-              <a:t>itertools</a:t>
-            </a:r>
-            <a:r>
-              <a:rPr lang="en-US" i="1" dirty="0"/>
-              <a:t>’</a:t>
-            </a:r>
-            <a:r>
-              <a:rPr lang="en-US" dirty="0"/>
-              <a:t> module in Python provides various functions for creating and working with iterators efficiently. </a:t>
-            </a:r>
-          </a:p>
-          <a:p>
-            <a:pPr>
-              <a:lnSpc>
-                <a:spcPct val="150000"/>
-              </a:lnSpc>
-            </a:pPr>
-            <a:endParaRPr lang="en-US" dirty="0"/>
-          </a:p>
-          <a:p>
-            <a:pPr>
-              <a:lnSpc>
-                <a:spcPct val="150000"/>
-              </a:lnSpc>
-            </a:pPr>
-            <a:r>
-              <a:rPr lang="en-US" dirty="0"/>
-              <a:t>It offers a collection of functions that enable you to manipulate and combine iterators in useful ways.</a:t>
-            </a:r>
-          </a:p>
-          <a:p>
-            <a:pPr>
-              <a:lnSpc>
-                <a:spcPct val="150000"/>
-              </a:lnSpc>
-            </a:pPr>
-            <a:endParaRPr lang="en-US" dirty="0"/>
-          </a:p>
-          <a:p>
-            <a:pPr>
-              <a:lnSpc>
-                <a:spcPct val="150000"/>
-              </a:lnSpc>
-            </a:pPr>
-            <a:r>
-              <a:rPr lang="en-US" b="1" u="sng" dirty="0"/>
-              <a:t>Tasks like: </a:t>
-            </a:r>
-          </a:p>
-          <a:p>
-            <a:pPr marL="285750" indent="-285750">
-              <a:lnSpc>
-                <a:spcPct val="150000"/>
-              </a:lnSpc>
-              <a:buFont typeface="Arial" panose="020B0604020202020204" pitchFamily="34" charset="0"/>
-              <a:buChar char="•"/>
-            </a:pPr>
-            <a:r>
-              <a:rPr lang="en-US" dirty="0"/>
-              <a:t>Permutations</a:t>
-            </a:r>
-          </a:p>
-          <a:p>
-            <a:pPr marL="285750" indent="-285750">
-              <a:lnSpc>
-                <a:spcPct val="150000"/>
-              </a:lnSpc>
-              <a:buFont typeface="Arial" panose="020B0604020202020204" pitchFamily="34" charset="0"/>
-              <a:buChar char="•"/>
-            </a:pPr>
-            <a:r>
-              <a:rPr lang="en-US" dirty="0"/>
-              <a:t>Combinations</a:t>
-            </a:r>
-          </a:p>
-          <a:p>
-            <a:pPr marL="285750" indent="-285750">
-              <a:lnSpc>
-                <a:spcPct val="150000"/>
-              </a:lnSpc>
-              <a:buFont typeface="Arial" panose="020B0604020202020204" pitchFamily="34" charset="0"/>
-              <a:buChar char="•"/>
-            </a:pPr>
-            <a:r>
-              <a:rPr lang="en-US" dirty="0"/>
-              <a:t>grouping</a:t>
-            </a:r>
-          </a:p>
-          <a:p>
-            <a:pPr marL="285750" indent="-285750">
-              <a:lnSpc>
-                <a:spcPct val="150000"/>
-              </a:lnSpc>
-              <a:buFont typeface="Arial" panose="020B0604020202020204" pitchFamily="34" charset="0"/>
-              <a:buChar char="•"/>
-            </a:pPr>
-            <a:r>
-              <a:rPr lang="en-US" dirty="0"/>
-              <a:t>looping over iterators</a:t>
-            </a:r>
-          </a:p>
-        </p:txBody>
-      </p:sp>
-    </p:spTree>
-    <p:extLst>
-      <p:ext uri="{BB962C8B-B14F-4D97-AF65-F5344CB8AC3E}">
-        <p14:creationId xmlns:p14="http://schemas.microsoft.com/office/powerpoint/2010/main" val="2600524689"/>
-      </p:ext>
-    </p:extLst>
-  </p:cSld>
-  <p:clrMapOvr>
-    <a:masterClrMapping/>
-  </p:clrMapOvr>
-</p:sld>
-</file>
-
 <file path=ppt/slides/slide9.xml><?xml version="1.0" encoding="utf-8"?>
 <p:sld xmlns:a="http://schemas.openxmlformats.org/drawingml/2006/main" xmlns:r="http://schemas.openxmlformats.org/officeDocument/2006/relationships" xmlns:p="http://schemas.openxmlformats.org/presentationml/2006/main">
   <p:cSld>
@@ -8341,7 +8590,29 @@
                 </a:solidFill>
                 <a:latin typeface="Trebuchet MS"/>
               </a:rPr>
-              <a:t>Cloning</a:t>
+              <a:t>‘</a:t>
+            </a:r>
+            <a:r>
+              <a:rPr lang="en-US" sz="3600" dirty="0" err="1">
+                <a:solidFill>
+                  <a:schemeClr val="accent1">
+                    <a:lumMod val="75000"/>
+                  </a:schemeClr>
+                </a:solidFill>
+                <a:latin typeface="Trebuchet MS"/>
+              </a:rPr>
+              <a:t>itertools</a:t>
+            </a:r>
+            <a:r>
+              <a:rPr lang="en-US" sz="3600" dirty="0">
+                <a:solidFill>
+                  <a:schemeClr val="accent1">
+                    <a:lumMod val="75000"/>
+                  </a:schemeClr>
+                </a:solidFill>
+                <a:latin typeface="Trebuchet MS"/>
+              </a:rPr>
+              <a:t>’</a:t>
             </a:r>
           </a:p>
         </p:txBody>
@@ -8361,7 +8632,7 @@
         <p:spPr>
           <a:xfrm>
             <a:off x="627039" y="996210"/>
-            <a:ext cx="11050905" cy="3702360"/>
+            <a:ext cx="11050905" cy="4117859"/>
           </a:xfrm>
           <a:prstGeom prst="rect">
             <a:avLst/>
@@ -8380,7 +8651,19 @@
             </a:pPr>
             <a:r>
               <a:rPr lang="en-US" dirty="0"/>
-              <a:t>Cloning creates a duplicate or copy of an existing object, or data structure. </a:t>
+              <a:t>The ‘</a:t>
+            </a:r>
+            <a:r>
+              <a:rPr lang="en-US" i="1" dirty="0" err="1"/>
+              <a:t>itertools</a:t>
+            </a:r>
+            <a:r>
+              <a:rPr lang="en-US" i="1" dirty="0"/>
+              <a:t>’</a:t>
+            </a:r>
+            <a:r>
+              <a:rPr lang="en-US" dirty="0"/>
+              <a:t> module in Python provides various functions for creating and working with iterators efficiently. </a:t>
             </a:r>
           </a:p>
           <a:p>
@@ -8399,7 +8682,7 @@
             </a:pPr>
             <a:r>
               <a:rPr lang="en-US" dirty="0"/>
-              <a:t>Cloning allows you to replicate an object's state or structure so that you can work with it independently of the original.</a:t>
+              <a:t>It offers a collection of functions that enable you to manipulate and combine iterators in useful ways.</a:t>
             </a:r>
           </a:p>
           <a:p>
@@ -8418,47 +8701,67 @@
             </a:pPr>
             <a:r>
               <a:rPr lang="en-US" b="1" u="sng" dirty="0"/>
-              <a:t>There are two main types of cloning: </a:t>
-            </a:r>
-          </a:p>
-          <a:p>
-            <a:pPr marL="342900" indent="-342900">
+              <a:t>Tasks like: </a:t>
+            </a:r>
+          </a:p>
+          <a:p>
+            <a:pPr marL="285750" indent="-285750">
               <a:lnSpc>
                 <a:spcPct val="150000"/>
               </a:lnSpc>
-              <a:buAutoNum type="arabicPeriod"/>
+              <a:buFont typeface="Arial" panose="020B0604020202020204" pitchFamily="34" charset="0"/>
+              <a:buChar char="•"/>
             </a:pPr>
             <a:r>
               <a:rPr lang="en-US" dirty="0"/>
-              <a:t>shallow cloning </a:t>
-            </a:r>
-          </a:p>
-          <a:p>
-            <a:pPr marL="342900" indent="-342900">
+              <a:t>Permutations</a:t>
+            </a:r>
+          </a:p>
+          <a:p>
+            <a:pPr marL="285750" indent="-285750">
               <a:lnSpc>
                 <a:spcPct val="150000"/>
               </a:lnSpc>
-              <a:buAutoNum type="arabicPeriod"/>
+              <a:buFont typeface="Arial" panose="020B0604020202020204" pitchFamily="34" charset="0"/>
+              <a:buChar char="•"/>
             </a:pPr>
             <a:r>
               <a:rPr lang="en-US" dirty="0"/>
-              <a:t>deep cloning</a:t>
-            </a:r>
-          </a:p>
-          <a:p>
-            <a:pPr>
+              <a:t>Combinations</a:t>
+            </a:r>
+          </a:p>
+          <a:p>
+            <a:pPr marL="285750" indent="-285750">
               <a:lnSpc>
                 <a:spcPct val="150000"/>
               </a:lnSpc>
+              <a:buFont typeface="Arial" panose="020B0604020202020204" pitchFamily="34" charset="0"/>
+              <a:buChar char="•"/>
             </a:pPr>
-            <a:endParaRPr lang="en-US" dirty="0"/>
+            <a:r>
+              <a:rPr lang="en-US" dirty="0"/>
+              <a:t>grouping</a:t>
+            </a:r>
+          </a:p>
+          <a:p>
+            <a:pPr marL="285750" indent="-285750">
+              <a:lnSpc>
+                <a:spcPct val="150000"/>
+              </a:lnSpc>
+              <a:buFont typeface="Arial" panose="020B0604020202020204" pitchFamily="34" charset="0"/>
+              <a:buChar char="•"/>
+            </a:pPr>
+            <a:r>
+              <a:rPr lang="en-US" dirty="0"/>
+              <a:t>looping over iterators</a:t>
+            </a:r>
           </a:p>
         </p:txBody>
       </p:sp>
     </p:spTree>
     <p:extLst>
       <p:ext uri="{BB962C8B-B14F-4D97-AF65-F5344CB8AC3E}">
-        <p14:creationId xmlns:p14="http://schemas.microsoft.com/office/powerpoint/2010/main" val="2700773620"/>
+        <p14:creationId xmlns:p14="http://schemas.microsoft.com/office/powerpoint/2010/main" val="2600524689"/>
       </p:ext>
     </p:extLst>
   </p:cSld>
